--- a/Hackethon_Presentation.pptx
+++ b/Hackethon_Presentation.pptx
@@ -3491,7 +3491,7 @@
           <a:p>
             <a:fld id="{6A722433-14B7-43C1-A651-1D3E40E49B34}" type="datetimeFigureOut">
               <a:rPr lang="en-IN" smtClean="0"/>
-              <a:t>05-04-2024</a:t>
+              <a:t>26-07-2024</a:t>
             </a:fld>
             <a:endParaRPr lang="en-IN"/>
           </a:p>
@@ -4178,7 +4178,7 @@
           <a:p>
             <a:fld id="{F309E82E-A9B3-4838-B964-4E757A6960C4}" type="datetimeFigureOut">
               <a:rPr lang="en-IN" smtClean="0"/>
-              <a:t>05-04-2024</a:t>
+              <a:t>26-07-2024</a:t>
             </a:fld>
             <a:endParaRPr lang="en-IN"/>
           </a:p>
@@ -5266,7 +5266,7 @@
           <a:p>
             <a:fld id="{F309E82E-A9B3-4838-B964-4E757A6960C4}" type="datetimeFigureOut">
               <a:rPr lang="en-IN" smtClean="0"/>
-              <a:t>05-04-2024</a:t>
+              <a:t>26-07-2024</a:t>
             </a:fld>
             <a:endParaRPr lang="en-IN"/>
           </a:p>
@@ -6246,7 +6246,7 @@
           <a:p>
             <a:fld id="{F309E82E-A9B3-4838-B964-4E757A6960C4}" type="datetimeFigureOut">
               <a:rPr lang="en-IN" smtClean="0"/>
-              <a:t>05-04-2024</a:t>
+              <a:t>26-07-2024</a:t>
             </a:fld>
             <a:endParaRPr lang="en-IN"/>
           </a:p>
@@ -7380,7 +7380,7 @@
           <a:p>
             <a:fld id="{F309E82E-A9B3-4838-B964-4E757A6960C4}" type="datetimeFigureOut">
               <a:rPr lang="en-IN" smtClean="0"/>
-              <a:t>05-04-2024</a:t>
+              <a:t>26-07-2024</a:t>
             </a:fld>
             <a:endParaRPr lang="en-IN"/>
           </a:p>
@@ -8413,7 +8413,7 @@
           <a:p>
             <a:fld id="{F309E82E-A9B3-4838-B964-4E757A6960C4}" type="datetimeFigureOut">
               <a:rPr lang="en-IN" smtClean="0"/>
-              <a:t>05-04-2024</a:t>
+              <a:t>26-07-2024</a:t>
             </a:fld>
             <a:endParaRPr lang="en-IN"/>
           </a:p>
@@ -9073,7 +9073,7 @@
           <a:p>
             <a:fld id="{F309E82E-A9B3-4838-B964-4E757A6960C4}" type="datetimeFigureOut">
               <a:rPr lang="en-IN" smtClean="0"/>
-              <a:t>05-04-2024</a:t>
+              <a:t>26-07-2024</a:t>
             </a:fld>
             <a:endParaRPr lang="en-IN"/>
           </a:p>
@@ -9934,7 +9934,7 @@
           <a:p>
             <a:fld id="{F309E82E-A9B3-4838-B964-4E757A6960C4}" type="datetimeFigureOut">
               <a:rPr lang="en-IN" smtClean="0"/>
-              <a:t>05-04-2024</a:t>
+              <a:t>26-07-2024</a:t>
             </a:fld>
             <a:endParaRPr lang="en-IN"/>
           </a:p>
@@ -10124,7 +10124,7 @@
           <a:p>
             <a:fld id="{F309E82E-A9B3-4838-B964-4E757A6960C4}" type="datetimeFigureOut">
               <a:rPr lang="en-IN" smtClean="0"/>
-              <a:t>05-04-2024</a:t>
+              <a:t>26-07-2024</a:t>
             </a:fld>
             <a:endParaRPr lang="en-IN"/>
           </a:p>
@@ -11096,7 +11096,7 @@
           <a:p>
             <a:fld id="{F309E82E-A9B3-4838-B964-4E757A6960C4}" type="datetimeFigureOut">
               <a:rPr lang="en-IN" smtClean="0"/>
-              <a:t>05-04-2024</a:t>
+              <a:t>26-07-2024</a:t>
             </a:fld>
             <a:endParaRPr lang="en-IN"/>
           </a:p>
@@ -11307,7 +11307,7 @@
           <a:p>
             <a:fld id="{F309E82E-A9B3-4838-B964-4E757A6960C4}" type="datetimeFigureOut">
               <a:rPr lang="en-IN" smtClean="0"/>
-              <a:t>05-04-2024</a:t>
+              <a:t>26-07-2024</a:t>
             </a:fld>
             <a:endParaRPr lang="en-IN"/>
           </a:p>
@@ -12341,7 +12341,7 @@
           <a:p>
             <a:fld id="{F309E82E-A9B3-4838-B964-4E757A6960C4}" type="datetimeFigureOut">
               <a:rPr lang="en-IN" smtClean="0"/>
-              <a:t>05-04-2024</a:t>
+              <a:t>26-07-2024</a:t>
             </a:fld>
             <a:endParaRPr lang="en-IN"/>
           </a:p>
@@ -12613,7 +12613,7 @@
           <a:p>
             <a:fld id="{F309E82E-A9B3-4838-B964-4E757A6960C4}" type="datetimeFigureOut">
               <a:rPr lang="en-IN" smtClean="0"/>
-              <a:t>05-04-2024</a:t>
+              <a:t>26-07-2024</a:t>
             </a:fld>
             <a:endParaRPr lang="en-IN"/>
           </a:p>
@@ -13023,7 +13023,7 @@
           <a:p>
             <a:fld id="{F309E82E-A9B3-4838-B964-4E757A6960C4}" type="datetimeFigureOut">
               <a:rPr lang="en-IN" smtClean="0"/>
-              <a:t>05-04-2024</a:t>
+              <a:t>26-07-2024</a:t>
             </a:fld>
             <a:endParaRPr lang="en-IN"/>
           </a:p>
@@ -13150,7 +13150,7 @@
           <a:p>
             <a:fld id="{F309E82E-A9B3-4838-B964-4E757A6960C4}" type="datetimeFigureOut">
               <a:rPr lang="en-IN" smtClean="0"/>
-              <a:t>05-04-2024</a:t>
+              <a:t>26-07-2024</a:t>
             </a:fld>
             <a:endParaRPr lang="en-IN"/>
           </a:p>
@@ -13245,7 +13245,7 @@
           <a:p>
             <a:fld id="{F309E82E-A9B3-4838-B964-4E757A6960C4}" type="datetimeFigureOut">
               <a:rPr lang="en-IN" smtClean="0"/>
-              <a:t>05-04-2024</a:t>
+              <a:t>26-07-2024</a:t>
             </a:fld>
             <a:endParaRPr lang="en-IN"/>
           </a:p>
@@ -14326,7 +14326,7 @@
           <a:p>
             <a:fld id="{F309E82E-A9B3-4838-B964-4E757A6960C4}" type="datetimeFigureOut">
               <a:rPr lang="en-IN" smtClean="0"/>
-              <a:t>05-04-2024</a:t>
+              <a:t>26-07-2024</a:t>
             </a:fld>
             <a:endParaRPr lang="en-IN"/>
           </a:p>
@@ -15434,7 +15434,7 @@
           <a:p>
             <a:fld id="{F309E82E-A9B3-4838-B964-4E757A6960C4}" type="datetimeFigureOut">
               <a:rPr lang="en-IN" smtClean="0"/>
-              <a:t>05-04-2024</a:t>
+              <a:t>26-07-2024</a:t>
             </a:fld>
             <a:endParaRPr lang="en-IN"/>
           </a:p>
@@ -16431,7 +16431,7 @@
           <a:p>
             <a:fld id="{F309E82E-A9B3-4838-B964-4E757A6960C4}" type="datetimeFigureOut">
               <a:rPr lang="en-IN" smtClean="0"/>
-              <a:t>05-04-2024</a:t>
+              <a:t>26-07-2024</a:t>
             </a:fld>
             <a:endParaRPr lang="en-IN"/>
           </a:p>
@@ -17136,7 +17136,29 @@
                   </a:schemeClr>
                 </a:solidFill>
               </a:rPr>
-              <a:t>Create an interactive mobile app (can be a web portal too) that educates young adults (especially college students) about personal finance. Cover topics like budgeting, saving, investing, and managing debt. Gamify the learning experience to make it engaging.</a:t>
+              <a:t>Create an interactive mobile app (can be a web portal </a:t>
+            </a:r>
+            <a:r>
+              <a:rPr lang="en-US" sz="2200" dirty="0" err="1">
+                <a:solidFill>
+                  <a:schemeClr val="accent1">
+                    <a:lumMod val="20000"/>
+                    <a:lumOff val="80000"/>
+                  </a:schemeClr>
+                </a:solidFill>
+              </a:rPr>
+              <a:t>tooL</a:t>
+            </a:r>
+            <a:r>
+              <a:rPr lang="en-US" sz="2200" dirty="0">
+                <a:solidFill>
+                  <a:schemeClr val="accent1">
+                    <a:lumMod val="20000"/>
+                    <a:lumOff val="80000"/>
+                  </a:schemeClr>
+                </a:solidFill>
+              </a:rPr>
+              <a:t>) that educates young adults (especially college students) about personal finance. Cover topics like budgeting, saving, investing, and managing debt. Gamify the learning experience to make it engaging.</a:t>
             </a:r>
             <a:endParaRPr lang="en-IN" sz="2200" dirty="0">
               <a:solidFill>
